--- a/160408_개인포폴_기획서01.pptx
+++ b/160408_개인포폴_기획서01.pptx
@@ -22,16 +22,16 @@
   <p:notesSz cx="6858000" cy="9144000"/>
   <p:embeddedFontLst>
     <p:embeddedFont>
-      <p:font typeface="맑은 고딕" panose="020B0503020000020004" pitchFamily="50" charset="-127"/>
+      <p:font typeface="HY얕은샘물M" panose="02030600000101010101" pitchFamily="18" charset="-127"/>
       <p:regular r:id="rId12"/>
+    </p:embeddedFont>
+    <p:embeddedFont>
+      <p:font typeface="나눔고딕 ExtraBold" panose="020B0600000101010101" charset="-127"/>
       <p:bold r:id="rId13"/>
     </p:embeddedFont>
     <p:embeddedFont>
-      <p:font typeface="HY얕은샘물M" panose="02030600000101010101" pitchFamily="18" charset="-127"/>
+      <p:font typeface="맑은 고딕" panose="020B0503020000020004" pitchFamily="50" charset="-127"/>
       <p:regular r:id="rId14"/>
-    </p:embeddedFont>
-    <p:embeddedFont>
-      <p:font typeface="나눔고딕 ExtraBold" panose="020B0600000101010101" charset="-127"/>
       <p:bold r:id="rId15"/>
     </p:embeddedFont>
   </p:embeddedFontLst>
@@ -231,7 +231,7 @@
           <a:p>
             <a:fld id="{499A985E-77B7-4FFE-9E3A-D0E0EA3370C1}" type="datetimeFigureOut">
               <a:rPr lang="ko-KR" altLang="en-US" smtClean="0"/>
-              <a:t>2016-04-08</a:t>
+              <a:t>2016-04-16</a:t>
             </a:fld>
             <a:endParaRPr lang="ko-KR" altLang="en-US"/>
           </a:p>
@@ -998,7 +998,7 @@
           <a:p>
             <a:fld id="{B0BCD013-0920-44E4-9835-5215EB3EA5A9}" type="datetimeFigureOut">
               <a:rPr lang="ko-KR" altLang="en-US" smtClean="0"/>
-              <a:t>2016-04-08</a:t>
+              <a:t>2016-04-16</a:t>
             </a:fld>
             <a:endParaRPr lang="ko-KR" altLang="en-US"/>
           </a:p>
@@ -1168,7 +1168,7 @@
           <a:p>
             <a:fld id="{B0BCD013-0920-44E4-9835-5215EB3EA5A9}" type="datetimeFigureOut">
               <a:rPr lang="ko-KR" altLang="en-US" smtClean="0"/>
-              <a:t>2016-04-08</a:t>
+              <a:t>2016-04-16</a:t>
             </a:fld>
             <a:endParaRPr lang="ko-KR" altLang="en-US"/>
           </a:p>
@@ -1348,7 +1348,7 @@
           <a:p>
             <a:fld id="{B0BCD013-0920-44E4-9835-5215EB3EA5A9}" type="datetimeFigureOut">
               <a:rPr lang="ko-KR" altLang="en-US" smtClean="0"/>
-              <a:t>2016-04-08</a:t>
+              <a:t>2016-04-16</a:t>
             </a:fld>
             <a:endParaRPr lang="ko-KR" altLang="en-US"/>
           </a:p>
@@ -1518,7 +1518,7 @@
           <a:p>
             <a:fld id="{B0BCD013-0920-44E4-9835-5215EB3EA5A9}" type="datetimeFigureOut">
               <a:rPr lang="ko-KR" altLang="en-US" smtClean="0"/>
-              <a:t>2016-04-08</a:t>
+              <a:t>2016-04-16</a:t>
             </a:fld>
             <a:endParaRPr lang="ko-KR" altLang="en-US"/>
           </a:p>
@@ -1764,7 +1764,7 @@
           <a:p>
             <a:fld id="{B0BCD013-0920-44E4-9835-5215EB3EA5A9}" type="datetimeFigureOut">
               <a:rPr lang="ko-KR" altLang="en-US" smtClean="0"/>
-              <a:t>2016-04-08</a:t>
+              <a:t>2016-04-16</a:t>
             </a:fld>
             <a:endParaRPr lang="ko-KR" altLang="en-US"/>
           </a:p>
@@ -2052,7 +2052,7 @@
           <a:p>
             <a:fld id="{B0BCD013-0920-44E4-9835-5215EB3EA5A9}" type="datetimeFigureOut">
               <a:rPr lang="ko-KR" altLang="en-US" smtClean="0"/>
-              <a:t>2016-04-08</a:t>
+              <a:t>2016-04-16</a:t>
             </a:fld>
             <a:endParaRPr lang="ko-KR" altLang="en-US"/>
           </a:p>
@@ -2479,7 +2479,7 @@
           <a:p>
             <a:fld id="{B0BCD013-0920-44E4-9835-5215EB3EA5A9}" type="datetimeFigureOut">
               <a:rPr lang="ko-KR" altLang="en-US" smtClean="0"/>
-              <a:t>2016-04-08</a:t>
+              <a:t>2016-04-16</a:t>
             </a:fld>
             <a:endParaRPr lang="ko-KR" altLang="en-US"/>
           </a:p>
@@ -2597,7 +2597,7 @@
           <a:p>
             <a:fld id="{B0BCD013-0920-44E4-9835-5215EB3EA5A9}" type="datetimeFigureOut">
               <a:rPr lang="ko-KR" altLang="en-US" smtClean="0"/>
-              <a:t>2016-04-08</a:t>
+              <a:t>2016-04-16</a:t>
             </a:fld>
             <a:endParaRPr lang="ko-KR" altLang="en-US"/>
           </a:p>
@@ -2692,7 +2692,7 @@
           <a:p>
             <a:fld id="{B0BCD013-0920-44E4-9835-5215EB3EA5A9}" type="datetimeFigureOut">
               <a:rPr lang="ko-KR" altLang="en-US" smtClean="0"/>
-              <a:t>2016-04-08</a:t>
+              <a:t>2016-04-16</a:t>
             </a:fld>
             <a:endParaRPr lang="ko-KR" altLang="en-US"/>
           </a:p>
@@ -2969,7 +2969,7 @@
           <a:p>
             <a:fld id="{B0BCD013-0920-44E4-9835-5215EB3EA5A9}" type="datetimeFigureOut">
               <a:rPr lang="ko-KR" altLang="en-US" smtClean="0"/>
-              <a:t>2016-04-08</a:t>
+              <a:t>2016-04-16</a:t>
             </a:fld>
             <a:endParaRPr lang="ko-KR" altLang="en-US"/>
           </a:p>
@@ -3222,7 +3222,7 @@
           <a:p>
             <a:fld id="{B0BCD013-0920-44E4-9835-5215EB3EA5A9}" type="datetimeFigureOut">
               <a:rPr lang="ko-KR" altLang="en-US" smtClean="0"/>
-              <a:t>2016-04-08</a:t>
+              <a:t>2016-04-16</a:t>
             </a:fld>
             <a:endParaRPr lang="ko-KR" altLang="en-US"/>
           </a:p>
@@ -3435,7 +3435,7 @@
           <a:p>
             <a:fld id="{B0BCD013-0920-44E4-9835-5215EB3EA5A9}" type="datetimeFigureOut">
               <a:rPr lang="ko-KR" altLang="en-US" smtClean="0"/>
-              <a:t>2016-04-08</a:t>
+              <a:t>2016-04-16</a:t>
             </a:fld>
             <a:endParaRPr lang="ko-KR" altLang="en-US"/>
           </a:p>
@@ -5458,15 +5458,7 @@
             <a:pPr algn="ctr"/>
             <a:r>
               <a:rPr lang="en-US" altLang="ko-KR" dirty="0" smtClean="0"/>
-              <a:t>Idle, </a:t>
-            </a:r>
-            <a:r>
-              <a:rPr lang="en-US" altLang="ko-KR" dirty="0" smtClean="0"/>
-              <a:t>Run, Attack</a:t>
-            </a:r>
-            <a:r>
-              <a:rPr lang="en-US" altLang="ko-KR" dirty="0" smtClean="0"/>
-              <a:t>, Dead</a:t>
+              <a:t>Idle, Run, Attack, Dead</a:t>
             </a:r>
             <a:endParaRPr lang="ko-KR" altLang="en-US" dirty="0"/>
           </a:p>
@@ -7343,8 +7335,8 @@
         </p:blipFill>
         <p:spPr>
           <a:xfrm>
-            <a:off x="1530790" y="1275506"/>
-            <a:ext cx="376914" cy="376914"/>
+            <a:off x="1526096" y="1203598"/>
+            <a:ext cx="470490" cy="445272"/>
           </a:xfrm>
           <a:prstGeom prst="rect">
             <a:avLst/>
@@ -7988,7 +7980,7 @@
           <a:graphicData uri="http://schemas.openxmlformats.org/presentationml/2006/ole">
             <mc:AlternateContent xmlns:mc="http://schemas.openxmlformats.org/markup-compatibility/2006">
               <mc:Choice xmlns:v="urn:schemas-microsoft-com:vml" Requires="v">
-                <p:oleObj spid="_x0000_s1030" name="Image" r:id="rId3" imgW="5625360" imgH="2971080" progId="Photoshop.Image.13">
+                <p:oleObj spid="_x0000_s1031" name="Image" r:id="rId3" imgW="5625360" imgH="2971080" progId="Photoshop.Image.13">
                   <p:embed/>
                 </p:oleObj>
               </mc:Choice>

--- a/160408_개인포폴_기획서01.pptx
+++ b/160408_개인포폴_기획서01.pptx
@@ -22,16 +22,16 @@
   <p:notesSz cx="6858000" cy="9144000"/>
   <p:embeddedFontLst>
     <p:embeddedFont>
+      <p:font typeface="맑은 고딕" panose="020B0503020000020004" pitchFamily="50" charset="-127"/>
+      <p:regular r:id="rId12"/>
+      <p:bold r:id="rId13"/>
+    </p:embeddedFont>
+    <p:embeddedFont>
       <p:font typeface="HY얕은샘물M" panose="02030600000101010101" pitchFamily="18" charset="-127"/>
-      <p:regular r:id="rId12"/>
+      <p:regular r:id="rId14"/>
     </p:embeddedFont>
     <p:embeddedFont>
       <p:font typeface="나눔고딕 ExtraBold" panose="020B0600000101010101" charset="-127"/>
-      <p:bold r:id="rId13"/>
-    </p:embeddedFont>
-    <p:embeddedFont>
-      <p:font typeface="맑은 고딕" panose="020B0503020000020004" pitchFamily="50" charset="-127"/>
-      <p:regular r:id="rId14"/>
       <p:bold r:id="rId15"/>
     </p:embeddedFont>
   </p:embeddedFontLst>
@@ -231,7 +231,7 @@
           <a:p>
             <a:fld id="{499A985E-77B7-4FFE-9E3A-D0E0EA3370C1}" type="datetimeFigureOut">
               <a:rPr lang="ko-KR" altLang="en-US" smtClean="0"/>
-              <a:t>2016-04-16</a:t>
+              <a:t>2016-04-08</a:t>
             </a:fld>
             <a:endParaRPr lang="ko-KR" altLang="en-US"/>
           </a:p>
@@ -998,7 +998,7 @@
           <a:p>
             <a:fld id="{B0BCD013-0920-44E4-9835-5215EB3EA5A9}" type="datetimeFigureOut">
               <a:rPr lang="ko-KR" altLang="en-US" smtClean="0"/>
-              <a:t>2016-04-16</a:t>
+              <a:t>2016-04-08</a:t>
             </a:fld>
             <a:endParaRPr lang="ko-KR" altLang="en-US"/>
           </a:p>
@@ -1168,7 +1168,7 @@
           <a:p>
             <a:fld id="{B0BCD013-0920-44E4-9835-5215EB3EA5A9}" type="datetimeFigureOut">
               <a:rPr lang="ko-KR" altLang="en-US" smtClean="0"/>
-              <a:t>2016-04-16</a:t>
+              <a:t>2016-04-08</a:t>
             </a:fld>
             <a:endParaRPr lang="ko-KR" altLang="en-US"/>
           </a:p>
@@ -1348,7 +1348,7 @@
           <a:p>
             <a:fld id="{B0BCD013-0920-44E4-9835-5215EB3EA5A9}" type="datetimeFigureOut">
               <a:rPr lang="ko-KR" altLang="en-US" smtClean="0"/>
-              <a:t>2016-04-16</a:t>
+              <a:t>2016-04-08</a:t>
             </a:fld>
             <a:endParaRPr lang="ko-KR" altLang="en-US"/>
           </a:p>
@@ -1518,7 +1518,7 @@
           <a:p>
             <a:fld id="{B0BCD013-0920-44E4-9835-5215EB3EA5A9}" type="datetimeFigureOut">
               <a:rPr lang="ko-KR" altLang="en-US" smtClean="0"/>
-              <a:t>2016-04-16</a:t>
+              <a:t>2016-04-08</a:t>
             </a:fld>
             <a:endParaRPr lang="ko-KR" altLang="en-US"/>
           </a:p>
@@ -1764,7 +1764,7 @@
           <a:p>
             <a:fld id="{B0BCD013-0920-44E4-9835-5215EB3EA5A9}" type="datetimeFigureOut">
               <a:rPr lang="ko-KR" altLang="en-US" smtClean="0"/>
-              <a:t>2016-04-16</a:t>
+              <a:t>2016-04-08</a:t>
             </a:fld>
             <a:endParaRPr lang="ko-KR" altLang="en-US"/>
           </a:p>
@@ -2052,7 +2052,7 @@
           <a:p>
             <a:fld id="{B0BCD013-0920-44E4-9835-5215EB3EA5A9}" type="datetimeFigureOut">
               <a:rPr lang="ko-KR" altLang="en-US" smtClean="0"/>
-              <a:t>2016-04-16</a:t>
+              <a:t>2016-04-08</a:t>
             </a:fld>
             <a:endParaRPr lang="ko-KR" altLang="en-US"/>
           </a:p>
@@ -2479,7 +2479,7 @@
           <a:p>
             <a:fld id="{B0BCD013-0920-44E4-9835-5215EB3EA5A9}" type="datetimeFigureOut">
               <a:rPr lang="ko-KR" altLang="en-US" smtClean="0"/>
-              <a:t>2016-04-16</a:t>
+              <a:t>2016-04-08</a:t>
             </a:fld>
             <a:endParaRPr lang="ko-KR" altLang="en-US"/>
           </a:p>
@@ -2597,7 +2597,7 @@
           <a:p>
             <a:fld id="{B0BCD013-0920-44E4-9835-5215EB3EA5A9}" type="datetimeFigureOut">
               <a:rPr lang="ko-KR" altLang="en-US" smtClean="0"/>
-              <a:t>2016-04-16</a:t>
+              <a:t>2016-04-08</a:t>
             </a:fld>
             <a:endParaRPr lang="ko-KR" altLang="en-US"/>
           </a:p>
@@ -2692,7 +2692,7 @@
           <a:p>
             <a:fld id="{B0BCD013-0920-44E4-9835-5215EB3EA5A9}" type="datetimeFigureOut">
               <a:rPr lang="ko-KR" altLang="en-US" smtClean="0"/>
-              <a:t>2016-04-16</a:t>
+              <a:t>2016-04-08</a:t>
             </a:fld>
             <a:endParaRPr lang="ko-KR" altLang="en-US"/>
           </a:p>
@@ -2969,7 +2969,7 @@
           <a:p>
             <a:fld id="{B0BCD013-0920-44E4-9835-5215EB3EA5A9}" type="datetimeFigureOut">
               <a:rPr lang="ko-KR" altLang="en-US" smtClean="0"/>
-              <a:t>2016-04-16</a:t>
+              <a:t>2016-04-08</a:t>
             </a:fld>
             <a:endParaRPr lang="ko-KR" altLang="en-US"/>
           </a:p>
@@ -3222,7 +3222,7 @@
           <a:p>
             <a:fld id="{B0BCD013-0920-44E4-9835-5215EB3EA5A9}" type="datetimeFigureOut">
               <a:rPr lang="ko-KR" altLang="en-US" smtClean="0"/>
-              <a:t>2016-04-16</a:t>
+              <a:t>2016-04-08</a:t>
             </a:fld>
             <a:endParaRPr lang="ko-KR" altLang="en-US"/>
           </a:p>
@@ -3435,7 +3435,7 @@
           <a:p>
             <a:fld id="{B0BCD013-0920-44E4-9835-5215EB3EA5A9}" type="datetimeFigureOut">
               <a:rPr lang="ko-KR" altLang="en-US" smtClean="0"/>
-              <a:t>2016-04-16</a:t>
+              <a:t>2016-04-08</a:t>
             </a:fld>
             <a:endParaRPr lang="ko-KR" altLang="en-US"/>
           </a:p>
@@ -5458,7 +5458,15 @@
             <a:pPr algn="ctr"/>
             <a:r>
               <a:rPr lang="en-US" altLang="ko-KR" dirty="0" smtClean="0"/>
-              <a:t>Idle, Run, Attack, Dead</a:t>
+              <a:t>Idle, </a:t>
+            </a:r>
+            <a:r>
+              <a:rPr lang="en-US" altLang="ko-KR" dirty="0" smtClean="0"/>
+              <a:t>Run, Attack</a:t>
+            </a:r>
+            <a:r>
+              <a:rPr lang="en-US" altLang="ko-KR" dirty="0" smtClean="0"/>
+              <a:t>, Dead</a:t>
             </a:r>
             <a:endParaRPr lang="ko-KR" altLang="en-US" dirty="0"/>
           </a:p>
@@ -7335,8 +7343,8 @@
         </p:blipFill>
         <p:spPr>
           <a:xfrm>
-            <a:off x="1526096" y="1203598"/>
-            <a:ext cx="470490" cy="445272"/>
+            <a:off x="1530790" y="1275506"/>
+            <a:ext cx="376914" cy="376914"/>
           </a:xfrm>
           <a:prstGeom prst="rect">
             <a:avLst/>
@@ -7980,7 +7988,7 @@
           <a:graphicData uri="http://schemas.openxmlformats.org/presentationml/2006/ole">
             <mc:AlternateContent xmlns:mc="http://schemas.openxmlformats.org/markup-compatibility/2006">
               <mc:Choice xmlns:v="urn:schemas-microsoft-com:vml" Requires="v">
-                <p:oleObj spid="_x0000_s1031" name="Image" r:id="rId3" imgW="5625360" imgH="2971080" progId="Photoshop.Image.13">
+                <p:oleObj spid="_x0000_s1030" name="Image" r:id="rId3" imgW="5625360" imgH="2971080" progId="Photoshop.Image.13">
                   <p:embed/>
                 </p:oleObj>
               </mc:Choice>
